--- a/PowerPoint/LSTM Machine Learning BTC predicting using Crypto Presentation.pptx
+++ b/PowerPoint/LSTM Machine Learning BTC predicting using Crypto Presentation.pptx
@@ -14,6 +14,10 @@
     <p:sldId id="262" r:id="rId8"/>
     <p:sldId id="263" r:id="rId9"/>
     <p:sldId id="261" r:id="rId10"/>
+    <p:sldId id="265" r:id="rId11"/>
+    <p:sldId id="266" r:id="rId12"/>
+    <p:sldId id="267" r:id="rId13"/>
+    <p:sldId id="268" r:id="rId14"/>
   </p:sldIdLst>
   <p:sldSz cx="12192000" cy="6858000"/>
   <p:notesSz cx="6858000" cy="9144000"/>
@@ -269,7 +273,7 @@
           <a:p>
             <a:fld id="{29498862-DABD-4866-975C-CEDE94F183D8}" type="datetimeFigureOut">
               <a:rPr lang="en-AU" smtClean="0"/>
-              <a:t>24/10/2021</a:t>
+              <a:t>25/10/2021</a:t>
             </a:fld>
             <a:endParaRPr lang="en-AU"/>
           </a:p>
@@ -469,7 +473,7 @@
           <a:p>
             <a:fld id="{29498862-DABD-4866-975C-CEDE94F183D8}" type="datetimeFigureOut">
               <a:rPr lang="en-AU" smtClean="0"/>
-              <a:t>24/10/2021</a:t>
+              <a:t>25/10/2021</a:t>
             </a:fld>
             <a:endParaRPr lang="en-AU"/>
           </a:p>
@@ -679,7 +683,7 @@
           <a:p>
             <a:fld id="{29498862-DABD-4866-975C-CEDE94F183D8}" type="datetimeFigureOut">
               <a:rPr lang="en-AU" smtClean="0"/>
-              <a:t>24/10/2021</a:t>
+              <a:t>25/10/2021</a:t>
             </a:fld>
             <a:endParaRPr lang="en-AU"/>
           </a:p>
@@ -879,7 +883,7 @@
           <a:p>
             <a:fld id="{29498862-DABD-4866-975C-CEDE94F183D8}" type="datetimeFigureOut">
               <a:rPr lang="en-AU" smtClean="0"/>
-              <a:t>24/10/2021</a:t>
+              <a:t>25/10/2021</a:t>
             </a:fld>
             <a:endParaRPr lang="en-AU"/>
           </a:p>
@@ -1155,7 +1159,7 @@
           <a:p>
             <a:fld id="{29498862-DABD-4866-975C-CEDE94F183D8}" type="datetimeFigureOut">
               <a:rPr lang="en-AU" smtClean="0"/>
-              <a:t>24/10/2021</a:t>
+              <a:t>25/10/2021</a:t>
             </a:fld>
             <a:endParaRPr lang="en-AU"/>
           </a:p>
@@ -1423,7 +1427,7 @@
           <a:p>
             <a:fld id="{29498862-DABD-4866-975C-CEDE94F183D8}" type="datetimeFigureOut">
               <a:rPr lang="en-AU" smtClean="0"/>
-              <a:t>24/10/2021</a:t>
+              <a:t>25/10/2021</a:t>
             </a:fld>
             <a:endParaRPr lang="en-AU"/>
           </a:p>
@@ -1838,7 +1842,7 @@
           <a:p>
             <a:fld id="{29498862-DABD-4866-975C-CEDE94F183D8}" type="datetimeFigureOut">
               <a:rPr lang="en-AU" smtClean="0"/>
-              <a:t>24/10/2021</a:t>
+              <a:t>25/10/2021</a:t>
             </a:fld>
             <a:endParaRPr lang="en-AU"/>
           </a:p>
@@ -1980,7 +1984,7 @@
           <a:p>
             <a:fld id="{29498862-DABD-4866-975C-CEDE94F183D8}" type="datetimeFigureOut">
               <a:rPr lang="en-AU" smtClean="0"/>
-              <a:t>24/10/2021</a:t>
+              <a:t>25/10/2021</a:t>
             </a:fld>
             <a:endParaRPr lang="en-AU"/>
           </a:p>
@@ -2093,7 +2097,7 @@
           <a:p>
             <a:fld id="{29498862-DABD-4866-975C-CEDE94F183D8}" type="datetimeFigureOut">
               <a:rPr lang="en-AU" smtClean="0"/>
-              <a:t>24/10/2021</a:t>
+              <a:t>25/10/2021</a:t>
             </a:fld>
             <a:endParaRPr lang="en-AU"/>
           </a:p>
@@ -2406,7 +2410,7 @@
           <a:p>
             <a:fld id="{29498862-DABD-4866-975C-CEDE94F183D8}" type="datetimeFigureOut">
               <a:rPr lang="en-AU" smtClean="0"/>
-              <a:t>24/10/2021</a:t>
+              <a:t>25/10/2021</a:t>
             </a:fld>
             <a:endParaRPr lang="en-AU"/>
           </a:p>
@@ -2695,7 +2699,7 @@
           <a:p>
             <a:fld id="{29498862-DABD-4866-975C-CEDE94F183D8}" type="datetimeFigureOut">
               <a:rPr lang="en-AU" smtClean="0"/>
-              <a:t>24/10/2021</a:t>
+              <a:t>25/10/2021</a:t>
             </a:fld>
             <a:endParaRPr lang="en-AU"/>
           </a:p>
@@ -2938,7 +2942,7 @@
           <a:p>
             <a:fld id="{29498862-DABD-4866-975C-CEDE94F183D8}" type="datetimeFigureOut">
               <a:rPr lang="en-AU" smtClean="0"/>
-              <a:t>24/10/2021</a:t>
+              <a:t>25/10/2021</a:t>
             </a:fld>
             <a:endParaRPr lang="en-AU"/>
           </a:p>
@@ -3408,6 +3412,246 @@
 </p:sld>
 </file>
 
+<file path=ppt/slides/slide10.xml><?xml version="1.0" encoding="utf-8"?>
+<p:sld xmlns:a="http://schemas.openxmlformats.org/drawingml/2006/main" xmlns:r="http://schemas.openxmlformats.org/officeDocument/2006/relationships" xmlns:p="http://schemas.openxmlformats.org/presentationml/2006/main">
+  <p:cSld>
+    <p:spTree>
+      <p:nvGrpSpPr>
+        <p:cNvPr id="1" name=""/>
+        <p:cNvGrpSpPr/>
+        <p:nvPr/>
+      </p:nvGrpSpPr>
+      <p:grpSpPr>
+        <a:xfrm>
+          <a:off x="0" y="0"/>
+          <a:ext cx="0" cy="0"/>
+          <a:chOff x="0" y="0"/>
+          <a:chExt cx="0" cy="0"/>
+        </a:xfrm>
+      </p:grpSpPr>
+      <p:pic>
+        <p:nvPicPr>
+          <p:cNvPr id="5" name="Picture 4">
+            <a:extLst>
+              <a:ext uri="{FF2B5EF4-FFF2-40B4-BE49-F238E27FC236}">
+                <a16:creationId xmlns:a16="http://schemas.microsoft.com/office/drawing/2014/main" id="{044DA0C5-2B02-4551-8509-9EF4972FF887}"/>
+              </a:ext>
+            </a:extLst>
+          </p:cNvPr>
+          <p:cNvPicPr>
+            <a:picLocks noChangeAspect="1"/>
+          </p:cNvPicPr>
+          <p:nvPr/>
+        </p:nvPicPr>
+        <p:blipFill>
+          <a:blip r:embed="rId2"/>
+          <a:stretch>
+            <a:fillRect/>
+          </a:stretch>
+        </p:blipFill>
+        <p:spPr>
+          <a:xfrm>
+            <a:off x="0" y="315148"/>
+            <a:ext cx="12192000" cy="6227704"/>
+          </a:xfrm>
+          <a:prstGeom prst="rect">
+            <a:avLst/>
+          </a:prstGeom>
+        </p:spPr>
+      </p:pic>
+    </p:spTree>
+    <p:extLst>
+      <p:ext uri="{BB962C8B-B14F-4D97-AF65-F5344CB8AC3E}">
+        <p14:creationId xmlns:p14="http://schemas.microsoft.com/office/powerpoint/2010/main" val="603115839"/>
+      </p:ext>
+    </p:extLst>
+  </p:cSld>
+  <p:clrMapOvr>
+    <a:masterClrMapping/>
+  </p:clrMapOvr>
+</p:sld>
+</file>
+
+<file path=ppt/slides/slide11.xml><?xml version="1.0" encoding="utf-8"?>
+<p:sld xmlns:a="http://schemas.openxmlformats.org/drawingml/2006/main" xmlns:r="http://schemas.openxmlformats.org/officeDocument/2006/relationships" xmlns:p="http://schemas.openxmlformats.org/presentationml/2006/main">
+  <p:cSld>
+    <p:spTree>
+      <p:nvGrpSpPr>
+        <p:cNvPr id="1" name=""/>
+        <p:cNvGrpSpPr/>
+        <p:nvPr/>
+      </p:nvGrpSpPr>
+      <p:grpSpPr>
+        <a:xfrm>
+          <a:off x="0" y="0"/>
+          <a:ext cx="0" cy="0"/>
+          <a:chOff x="0" y="0"/>
+          <a:chExt cx="0" cy="0"/>
+        </a:xfrm>
+      </p:grpSpPr>
+      <p:pic>
+        <p:nvPicPr>
+          <p:cNvPr id="3" name="Picture 2">
+            <a:extLst>
+              <a:ext uri="{FF2B5EF4-FFF2-40B4-BE49-F238E27FC236}">
+                <a16:creationId xmlns:a16="http://schemas.microsoft.com/office/drawing/2014/main" id="{5B3E8207-1B18-46F5-A61F-A43C2F6F6FD6}"/>
+              </a:ext>
+            </a:extLst>
+          </p:cNvPr>
+          <p:cNvPicPr>
+            <a:picLocks noChangeAspect="1"/>
+          </p:cNvPicPr>
+          <p:nvPr/>
+        </p:nvPicPr>
+        <p:blipFill>
+          <a:blip r:embed="rId2"/>
+          <a:stretch>
+            <a:fillRect/>
+          </a:stretch>
+        </p:blipFill>
+        <p:spPr>
+          <a:xfrm>
+            <a:off x="0" y="292041"/>
+            <a:ext cx="12192000" cy="6273917"/>
+          </a:xfrm>
+          <a:prstGeom prst="rect">
+            <a:avLst/>
+          </a:prstGeom>
+        </p:spPr>
+      </p:pic>
+    </p:spTree>
+    <p:extLst>
+      <p:ext uri="{BB962C8B-B14F-4D97-AF65-F5344CB8AC3E}">
+        <p14:creationId xmlns:p14="http://schemas.microsoft.com/office/powerpoint/2010/main" val="626787987"/>
+      </p:ext>
+    </p:extLst>
+  </p:cSld>
+  <p:clrMapOvr>
+    <a:masterClrMapping/>
+  </p:clrMapOvr>
+</p:sld>
+</file>
+
+<file path=ppt/slides/slide12.xml><?xml version="1.0" encoding="utf-8"?>
+<p:sld xmlns:a="http://schemas.openxmlformats.org/drawingml/2006/main" xmlns:r="http://schemas.openxmlformats.org/officeDocument/2006/relationships" xmlns:p="http://schemas.openxmlformats.org/presentationml/2006/main">
+  <p:cSld>
+    <p:spTree>
+      <p:nvGrpSpPr>
+        <p:cNvPr id="1" name=""/>
+        <p:cNvGrpSpPr/>
+        <p:nvPr/>
+      </p:nvGrpSpPr>
+      <p:grpSpPr>
+        <a:xfrm>
+          <a:off x="0" y="0"/>
+          <a:ext cx="0" cy="0"/>
+          <a:chOff x="0" y="0"/>
+          <a:chExt cx="0" cy="0"/>
+        </a:xfrm>
+      </p:grpSpPr>
+      <p:pic>
+        <p:nvPicPr>
+          <p:cNvPr id="4" name="Picture 3">
+            <a:extLst>
+              <a:ext uri="{FF2B5EF4-FFF2-40B4-BE49-F238E27FC236}">
+                <a16:creationId xmlns:a16="http://schemas.microsoft.com/office/drawing/2014/main" id="{D9384223-37F9-414B-BE35-FD2CDE625AD0}"/>
+              </a:ext>
+            </a:extLst>
+          </p:cNvPr>
+          <p:cNvPicPr>
+            <a:picLocks noChangeAspect="1"/>
+          </p:cNvPicPr>
+          <p:nvPr/>
+        </p:nvPicPr>
+        <p:blipFill>
+          <a:blip r:embed="rId2"/>
+          <a:stretch>
+            <a:fillRect/>
+          </a:stretch>
+        </p:blipFill>
+        <p:spPr>
+          <a:xfrm>
+            <a:off x="0" y="327198"/>
+            <a:ext cx="12192000" cy="6203604"/>
+          </a:xfrm>
+          <a:prstGeom prst="rect">
+            <a:avLst/>
+          </a:prstGeom>
+        </p:spPr>
+      </p:pic>
+    </p:spTree>
+    <p:extLst>
+      <p:ext uri="{BB962C8B-B14F-4D97-AF65-F5344CB8AC3E}">
+        <p14:creationId xmlns:p14="http://schemas.microsoft.com/office/powerpoint/2010/main" val="1956917738"/>
+      </p:ext>
+    </p:extLst>
+  </p:cSld>
+  <p:clrMapOvr>
+    <a:masterClrMapping/>
+  </p:clrMapOvr>
+</p:sld>
+</file>
+
+<file path=ppt/slides/slide13.xml><?xml version="1.0" encoding="utf-8"?>
+<p:sld xmlns:a="http://schemas.openxmlformats.org/drawingml/2006/main" xmlns:r="http://schemas.openxmlformats.org/officeDocument/2006/relationships" xmlns:p="http://schemas.openxmlformats.org/presentationml/2006/main">
+  <p:cSld>
+    <p:spTree>
+      <p:nvGrpSpPr>
+        <p:cNvPr id="1" name=""/>
+        <p:cNvGrpSpPr/>
+        <p:nvPr/>
+      </p:nvGrpSpPr>
+      <p:grpSpPr>
+        <a:xfrm>
+          <a:off x="0" y="0"/>
+          <a:ext cx="0" cy="0"/>
+          <a:chOff x="0" y="0"/>
+          <a:chExt cx="0" cy="0"/>
+        </a:xfrm>
+      </p:grpSpPr>
+      <p:pic>
+        <p:nvPicPr>
+          <p:cNvPr id="3" name="Picture 2">
+            <a:extLst>
+              <a:ext uri="{FF2B5EF4-FFF2-40B4-BE49-F238E27FC236}">
+                <a16:creationId xmlns:a16="http://schemas.microsoft.com/office/drawing/2014/main" id="{9D25CBB4-A40E-42E1-9A28-9FEBA0302D52}"/>
+              </a:ext>
+            </a:extLst>
+          </p:cNvPr>
+          <p:cNvPicPr>
+            <a:picLocks noChangeAspect="1"/>
+          </p:cNvPicPr>
+          <p:nvPr/>
+        </p:nvPicPr>
+        <p:blipFill>
+          <a:blip r:embed="rId2"/>
+          <a:stretch>
+            <a:fillRect/>
+          </a:stretch>
+        </p:blipFill>
+        <p:spPr>
+          <a:xfrm>
+            <a:off x="0" y="292041"/>
+            <a:ext cx="12192000" cy="6273917"/>
+          </a:xfrm>
+          <a:prstGeom prst="rect">
+            <a:avLst/>
+          </a:prstGeom>
+        </p:spPr>
+      </p:pic>
+    </p:spTree>
+    <p:extLst>
+      <p:ext uri="{BB962C8B-B14F-4D97-AF65-F5344CB8AC3E}">
+        <p14:creationId xmlns:p14="http://schemas.microsoft.com/office/powerpoint/2010/main" val="1359120694"/>
+      </p:ext>
+    </p:extLst>
+  </p:cSld>
+  <p:clrMapOvr>
+    <a:masterClrMapping/>
+  </p:clrMapOvr>
+</p:sld>
+</file>
+
 <file path=ppt/slides/slide2.xml><?xml version="1.0" encoding="utf-8"?>
 <p:sld xmlns:a="http://schemas.openxmlformats.org/drawingml/2006/main" xmlns:r="http://schemas.openxmlformats.org/officeDocument/2006/relationships" xmlns:p="http://schemas.openxmlformats.org/presentationml/2006/main">
   <p:cSld>

--- a/PowerPoint/LSTM Machine Learning BTC predicting using Crypto Presentation.pptx
+++ b/PowerPoint/LSTM Machine Learning BTC predicting using Crypto Presentation.pptx
@@ -3431,10 +3431,10 @@
       </p:grpSpPr>
       <p:pic>
         <p:nvPicPr>
-          <p:cNvPr id="5" name="Picture 4">
-            <a:extLst>
-              <a:ext uri="{FF2B5EF4-FFF2-40B4-BE49-F238E27FC236}">
-                <a16:creationId xmlns:a16="http://schemas.microsoft.com/office/drawing/2014/main" id="{044DA0C5-2B02-4551-8509-9EF4972FF887}"/>
+          <p:cNvPr id="6" name="Picture 5">
+            <a:extLst>
+              <a:ext uri="{FF2B5EF4-FFF2-40B4-BE49-F238E27FC236}">
+                <a16:creationId xmlns:a16="http://schemas.microsoft.com/office/drawing/2014/main" id="{8B6F34E0-AC61-4265-8C8D-3C3050637EF2}"/>
               </a:ext>
             </a:extLst>
           </p:cNvPr>
@@ -3451,8 +3451,8 @@
         </p:blipFill>
         <p:spPr>
           <a:xfrm>
-            <a:off x="0" y="315148"/>
-            <a:ext cx="12192000" cy="6227704"/>
+            <a:off x="64176" y="452761"/>
+            <a:ext cx="11807302" cy="5468645"/>
           </a:xfrm>
           <a:prstGeom prst="rect">
             <a:avLst/>
@@ -3491,10 +3491,10 @@
       </p:grpSpPr>
       <p:pic>
         <p:nvPicPr>
-          <p:cNvPr id="3" name="Picture 2">
-            <a:extLst>
-              <a:ext uri="{FF2B5EF4-FFF2-40B4-BE49-F238E27FC236}">
-                <a16:creationId xmlns:a16="http://schemas.microsoft.com/office/drawing/2014/main" id="{5B3E8207-1B18-46F5-A61F-A43C2F6F6FD6}"/>
+          <p:cNvPr id="6" name="Picture 5">
+            <a:extLst>
+              <a:ext uri="{FF2B5EF4-FFF2-40B4-BE49-F238E27FC236}">
+                <a16:creationId xmlns:a16="http://schemas.microsoft.com/office/drawing/2014/main" id="{6F7465A2-8AEB-48E6-8AC8-DACE5B648EB6}"/>
               </a:ext>
             </a:extLst>
           </p:cNvPr>
@@ -3511,8 +3511,8 @@
         </p:blipFill>
         <p:spPr>
           <a:xfrm>
-            <a:off x="0" y="292041"/>
-            <a:ext cx="12192000" cy="6273917"/>
+            <a:off x="319597" y="495806"/>
+            <a:ext cx="11666368" cy="5490657"/>
           </a:xfrm>
           <a:prstGeom prst="rect">
             <a:avLst/>
@@ -3551,10 +3551,10 @@
       </p:grpSpPr>
       <p:pic>
         <p:nvPicPr>
-          <p:cNvPr id="4" name="Picture 3">
-            <a:extLst>
-              <a:ext uri="{FF2B5EF4-FFF2-40B4-BE49-F238E27FC236}">
-                <a16:creationId xmlns:a16="http://schemas.microsoft.com/office/drawing/2014/main" id="{D9384223-37F9-414B-BE35-FD2CDE625AD0}"/>
+          <p:cNvPr id="3" name="Picture 2">
+            <a:extLst>
+              <a:ext uri="{FF2B5EF4-FFF2-40B4-BE49-F238E27FC236}">
+                <a16:creationId xmlns:a16="http://schemas.microsoft.com/office/drawing/2014/main" id="{F215F2AE-A087-4AD4-9FA8-FB5F558CFB79}"/>
               </a:ext>
             </a:extLst>
           </p:cNvPr>
@@ -3571,8 +3571,8 @@
         </p:blipFill>
         <p:spPr>
           <a:xfrm>
-            <a:off x="0" y="327198"/>
-            <a:ext cx="12192000" cy="6203604"/>
+            <a:off x="0" y="717149"/>
+            <a:ext cx="12017753" cy="5639262"/>
           </a:xfrm>
           <a:prstGeom prst="rect">
             <a:avLst/>
@@ -3609,36 +3609,512 @@
           <a:chExt cx="0" cy="0"/>
         </a:xfrm>
       </p:grpSpPr>
-      <p:pic>
-        <p:nvPicPr>
-          <p:cNvPr id="3" name="Picture 2">
-            <a:extLst>
-              <a:ext uri="{FF2B5EF4-FFF2-40B4-BE49-F238E27FC236}">
-                <a16:creationId xmlns:a16="http://schemas.microsoft.com/office/drawing/2014/main" id="{9D25CBB4-A40E-42E1-9A28-9FEBA0302D52}"/>
-              </a:ext>
-            </a:extLst>
-          </p:cNvPr>
-          <p:cNvPicPr>
-            <a:picLocks noChangeAspect="1"/>
-          </p:cNvPicPr>
+      <p:sp>
+        <p:nvSpPr>
+          <p:cNvPr id="4" name="TextBox 3">
+            <a:extLst>
+              <a:ext uri="{FF2B5EF4-FFF2-40B4-BE49-F238E27FC236}">
+                <a16:creationId xmlns:a16="http://schemas.microsoft.com/office/drawing/2014/main" id="{5F194F01-E2ED-40A3-8B51-7472E4E8064F}"/>
+              </a:ext>
+            </a:extLst>
+          </p:cNvPr>
+          <p:cNvSpPr txBox="1"/>
           <p:nvPr/>
-        </p:nvPicPr>
-        <p:blipFill>
-          <a:blip r:embed="rId2"/>
-          <a:stretch>
-            <a:fillRect/>
-          </a:stretch>
-        </p:blipFill>
+        </p:nvSpPr>
         <p:spPr>
           <a:xfrm>
-            <a:off x="0" y="292041"/>
-            <a:ext cx="12192000" cy="6273917"/>
+            <a:off x="354075" y="612844"/>
+            <a:ext cx="11079332" cy="5909310"/>
           </a:xfrm>
           <a:prstGeom prst="rect">
             <a:avLst/>
           </a:prstGeom>
+          <a:noFill/>
         </p:spPr>
-      </p:pic>
+        <p:txBody>
+          <a:bodyPr wrap="square">
+            <a:spAutoFit/>
+          </a:bodyPr>
+          <a:lstStyle/>
+          <a:p>
+            <a:pPr algn="ctr"/>
+            <a:r>
+              <a:rPr lang="en-US" b="1" i="0" dirty="0">
+                <a:solidFill>
+                  <a:srgbClr val="1D1C1D"/>
+                </a:solidFill>
+                <a:effectLst/>
+                <a:latin typeface="Arial" panose="020B0604020202020204" pitchFamily="34" charset="0"/>
+              </a:rPr>
+              <a:t>Conclusions</a:t>
+            </a:r>
+          </a:p>
+          <a:p>
+            <a:pPr algn="ctr"/>
+            <a:br>
+              <a:rPr lang="en-US" b="0" i="0" dirty="0">
+                <a:solidFill>
+                  <a:srgbClr val="1D1C1D"/>
+                </a:solidFill>
+                <a:effectLst/>
+                <a:latin typeface="Slack-Lato"/>
+              </a:rPr>
+            </a:br>
+            <a:r>
+              <a:rPr lang="en-US" b="1" i="0" dirty="0">
+                <a:solidFill>
+                  <a:srgbClr val="1D1C1D"/>
+                </a:solidFill>
+                <a:effectLst/>
+                <a:latin typeface="Arial" panose="020B0604020202020204" pitchFamily="34" charset="0"/>
+              </a:rPr>
+              <a:t>Damien</a:t>
+            </a:r>
+            <a:br>
+              <a:rPr lang="en-US" b="0" i="0" dirty="0">
+                <a:solidFill>
+                  <a:srgbClr val="1D1C1D"/>
+                </a:solidFill>
+                <a:effectLst/>
+                <a:latin typeface="Slack-Lato"/>
+              </a:rPr>
+            </a:br>
+            <a:r>
+              <a:rPr lang="en-US" b="0" i="0" dirty="0">
+                <a:solidFill>
+                  <a:srgbClr val="1D1C1D"/>
+                </a:solidFill>
+                <a:effectLst/>
+                <a:latin typeface="Arial" panose="020B0604020202020204" pitchFamily="34" charset="0"/>
+              </a:rPr>
+              <a:t>Asset Class Commodities – Gold – </a:t>
+            </a:r>
+            <a:r>
+              <a:rPr lang="en-US" b="0" i="0" dirty="0">
+                <a:solidFill>
+                  <a:srgbClr val="00B050"/>
+                </a:solidFill>
+                <a:effectLst/>
+                <a:latin typeface="Arial" panose="020B0604020202020204" pitchFamily="34" charset="0"/>
+              </a:rPr>
+              <a:t>Good</a:t>
+            </a:r>
+            <a:r>
+              <a:rPr lang="en-US" b="0" i="0" dirty="0">
+                <a:solidFill>
+                  <a:srgbClr val="1D1C1D"/>
+                </a:solidFill>
+                <a:effectLst/>
+                <a:latin typeface="Arial" panose="020B0604020202020204" pitchFamily="34" charset="0"/>
+              </a:rPr>
+              <a:t> </a:t>
+            </a:r>
+            <a:r>
+              <a:rPr lang="en-US" b="0" i="0" dirty="0">
+                <a:solidFill>
+                  <a:srgbClr val="00B050"/>
+                </a:solidFill>
+                <a:effectLst/>
+                <a:latin typeface="Arial" panose="020B0604020202020204" pitchFamily="34" charset="0"/>
+              </a:rPr>
+              <a:t>correlation </a:t>
+            </a:r>
+            <a:br>
+              <a:rPr lang="en-US" b="0" i="0" dirty="0">
+                <a:solidFill>
+                  <a:srgbClr val="1D1C1D"/>
+                </a:solidFill>
+                <a:effectLst/>
+                <a:latin typeface="Slack-Lato"/>
+              </a:rPr>
+            </a:br>
+            <a:r>
+              <a:rPr lang="en-US" b="0" i="0" dirty="0">
+                <a:solidFill>
+                  <a:srgbClr val="1D1C1D"/>
+                </a:solidFill>
+                <a:effectLst/>
+                <a:latin typeface="Arial" panose="020B0604020202020204" pitchFamily="34" charset="0"/>
+              </a:rPr>
+              <a:t>Asset Class Shares - S&amp;P500 – </a:t>
+            </a:r>
+            <a:r>
+              <a:rPr lang="en-US" b="0" i="0" dirty="0">
+                <a:solidFill>
+                  <a:srgbClr val="00B050"/>
+                </a:solidFill>
+                <a:effectLst/>
+                <a:latin typeface="Arial" panose="020B0604020202020204" pitchFamily="34" charset="0"/>
+              </a:rPr>
+              <a:t>Strongest correlation</a:t>
+            </a:r>
+            <a:br>
+              <a:rPr lang="en-US" b="0" i="0" dirty="0">
+                <a:solidFill>
+                  <a:srgbClr val="1D1C1D"/>
+                </a:solidFill>
+                <a:effectLst/>
+                <a:latin typeface="Slack-Lato"/>
+              </a:rPr>
+            </a:br>
+            <a:r>
+              <a:rPr lang="en-US" b="0" i="0" dirty="0">
+                <a:solidFill>
+                  <a:srgbClr val="1D1C1D"/>
+                </a:solidFill>
+                <a:effectLst/>
+                <a:latin typeface="Arial" panose="020B0604020202020204" pitchFamily="34" charset="0"/>
+              </a:rPr>
+              <a:t>Asset Class Shares - Apple– </a:t>
+            </a:r>
+            <a:r>
+              <a:rPr lang="en-US" b="0" i="0" dirty="0">
+                <a:solidFill>
+                  <a:srgbClr val="00B050"/>
+                </a:solidFill>
+                <a:effectLst/>
+                <a:latin typeface="Arial" panose="020B0604020202020204" pitchFamily="34" charset="0"/>
+              </a:rPr>
+              <a:t>Strong</a:t>
+            </a:r>
+            <a:r>
+              <a:rPr lang="en-US" b="0" i="0" dirty="0">
+                <a:solidFill>
+                  <a:srgbClr val="1D1C1D"/>
+                </a:solidFill>
+                <a:effectLst/>
+                <a:latin typeface="Arial" panose="020B0604020202020204" pitchFamily="34" charset="0"/>
+              </a:rPr>
+              <a:t> </a:t>
+            </a:r>
+            <a:r>
+              <a:rPr lang="en-US" b="0" i="0" dirty="0">
+                <a:solidFill>
+                  <a:srgbClr val="00B050"/>
+                </a:solidFill>
+                <a:effectLst/>
+                <a:latin typeface="Arial" panose="020B0604020202020204" pitchFamily="34" charset="0"/>
+              </a:rPr>
+              <a:t>correlation</a:t>
+            </a:r>
+            <a:br>
+              <a:rPr lang="en-US" b="0" i="0" dirty="0">
+                <a:solidFill>
+                  <a:srgbClr val="1D1C1D"/>
+                </a:solidFill>
+                <a:effectLst/>
+                <a:latin typeface="Slack-Lato"/>
+              </a:rPr>
+            </a:br>
+            <a:br>
+              <a:rPr lang="en-US" b="0" i="0" dirty="0">
+                <a:solidFill>
+                  <a:srgbClr val="1D1C1D"/>
+                </a:solidFill>
+                <a:effectLst/>
+                <a:latin typeface="Slack-Lato"/>
+              </a:rPr>
+            </a:br>
+            <a:r>
+              <a:rPr lang="en-US" b="0" i="0" dirty="0">
+                <a:solidFill>
+                  <a:srgbClr val="1D1C1D"/>
+                </a:solidFill>
+                <a:effectLst/>
+                <a:latin typeface="Arial" panose="020B0604020202020204" pitchFamily="34" charset="0"/>
+              </a:rPr>
+              <a:t>-</a:t>
+            </a:r>
+            <a:br>
+              <a:rPr lang="en-US" b="0" i="0" dirty="0">
+                <a:solidFill>
+                  <a:srgbClr val="1D1C1D"/>
+                </a:solidFill>
+                <a:effectLst/>
+                <a:latin typeface="Slack-Lato"/>
+              </a:rPr>
+            </a:br>
+            <a:r>
+              <a:rPr lang="en-US" b="1" i="0" dirty="0">
+                <a:solidFill>
+                  <a:srgbClr val="1D1C1D"/>
+                </a:solidFill>
+                <a:effectLst/>
+                <a:latin typeface="Arial" panose="020B0604020202020204" pitchFamily="34" charset="0"/>
+              </a:rPr>
+              <a:t>Terry</a:t>
+            </a:r>
+            <a:br>
+              <a:rPr lang="en-US" b="0" i="0" dirty="0">
+                <a:solidFill>
+                  <a:srgbClr val="1D1C1D"/>
+                </a:solidFill>
+                <a:effectLst/>
+                <a:latin typeface="Slack-Lato"/>
+              </a:rPr>
+            </a:br>
+            <a:r>
+              <a:rPr lang="en-US" b="0" i="0" dirty="0">
+                <a:solidFill>
+                  <a:srgbClr val="1D1C1D"/>
+                </a:solidFill>
+                <a:effectLst/>
+                <a:latin typeface="Arial" panose="020B0604020202020204" pitchFamily="34" charset="0"/>
+              </a:rPr>
+              <a:t>Sentiment Analysis – </a:t>
+            </a:r>
+            <a:r>
+              <a:rPr lang="en-US" dirty="0">
+                <a:solidFill>
+                  <a:srgbClr val="00B050"/>
+                </a:solidFill>
+                <a:latin typeface="Arial" panose="020B0604020202020204" pitchFamily="34" charset="0"/>
+              </a:rPr>
+              <a:t>Very E</a:t>
+            </a:r>
+            <a:r>
+              <a:rPr lang="en-US" b="0" i="0" dirty="0">
+                <a:solidFill>
+                  <a:srgbClr val="00B050"/>
+                </a:solidFill>
+                <a:effectLst/>
+                <a:latin typeface="Arial" panose="020B0604020202020204" pitchFamily="34" charset="0"/>
+              </a:rPr>
+              <a:t>ffective</a:t>
+            </a:r>
+            <a:r>
+              <a:rPr lang="en-US" b="0" i="0" dirty="0">
+                <a:solidFill>
+                  <a:srgbClr val="1D1C1D"/>
+                </a:solidFill>
+                <a:effectLst/>
+                <a:latin typeface="Arial" panose="020B0604020202020204" pitchFamily="34" charset="0"/>
+              </a:rPr>
+              <a:t> for Bitcoin</a:t>
+            </a:r>
+            <a:br>
+              <a:rPr lang="en-US" b="0" i="0" dirty="0">
+                <a:solidFill>
+                  <a:srgbClr val="1D1C1D"/>
+                </a:solidFill>
+                <a:effectLst/>
+                <a:latin typeface="Slack-Lato"/>
+              </a:rPr>
+            </a:br>
+            <a:r>
+              <a:rPr lang="en-US" b="0" i="0" dirty="0">
+                <a:solidFill>
+                  <a:srgbClr val="1D1C1D"/>
+                </a:solidFill>
+                <a:effectLst/>
+                <a:latin typeface="Arial" panose="020B0604020202020204" pitchFamily="34" charset="0"/>
+              </a:rPr>
+              <a:t>Sentiment Analysis – </a:t>
+            </a:r>
+            <a:r>
+              <a:rPr lang="en-US" dirty="0">
+                <a:solidFill>
+                  <a:srgbClr val="00B050"/>
+                </a:solidFill>
+                <a:latin typeface="Arial" panose="020B0604020202020204" pitchFamily="34" charset="0"/>
+              </a:rPr>
+              <a:t>V</a:t>
+            </a:r>
+            <a:r>
+              <a:rPr lang="en-US" b="0" i="0" dirty="0">
+                <a:solidFill>
+                  <a:srgbClr val="00B050"/>
+                </a:solidFill>
+                <a:effectLst/>
+                <a:latin typeface="Arial" panose="020B0604020202020204" pitchFamily="34" charset="0"/>
+              </a:rPr>
+              <a:t>ery Effective</a:t>
+            </a:r>
+            <a:r>
+              <a:rPr lang="en-US" b="0" i="0" dirty="0">
+                <a:solidFill>
+                  <a:srgbClr val="1D1C1D"/>
+                </a:solidFill>
+                <a:effectLst/>
+                <a:latin typeface="Arial" panose="020B0604020202020204" pitchFamily="34" charset="0"/>
+              </a:rPr>
+              <a:t> for other Cryptos and Shares</a:t>
+            </a:r>
+            <a:endParaRPr lang="en-US" b="0" i="0" dirty="0">
+              <a:solidFill>
+                <a:srgbClr val="1D1C1D"/>
+              </a:solidFill>
+              <a:effectLst/>
+              <a:latin typeface="Slack-Lato"/>
+            </a:endParaRPr>
+          </a:p>
+          <a:p>
+            <a:pPr algn="ctr"/>
+            <a:endParaRPr lang="en-US" b="0" i="0" dirty="0">
+              <a:solidFill>
+                <a:srgbClr val="1D1C1D"/>
+              </a:solidFill>
+              <a:effectLst/>
+              <a:latin typeface="Arial" panose="020B0604020202020204" pitchFamily="34" charset="0"/>
+            </a:endParaRPr>
+          </a:p>
+          <a:p>
+            <a:pPr algn="ctr"/>
+            <a:r>
+              <a:rPr lang="en-US" b="1" i="0" dirty="0">
+                <a:solidFill>
+                  <a:srgbClr val="1D1C1D"/>
+                </a:solidFill>
+                <a:effectLst/>
+                <a:latin typeface="Arial" panose="020B0604020202020204" pitchFamily="34" charset="0"/>
+              </a:rPr>
+              <a:t>Joe</a:t>
+            </a:r>
+            <a:br>
+              <a:rPr lang="en-US" b="0" i="0" dirty="0">
+                <a:solidFill>
+                  <a:srgbClr val="1D1C1D"/>
+                </a:solidFill>
+                <a:effectLst/>
+                <a:latin typeface="Slack-Lato"/>
+              </a:rPr>
+            </a:br>
+            <a:r>
+              <a:rPr lang="en-US" b="0" i="0" dirty="0">
+                <a:solidFill>
+                  <a:srgbClr val="1D1C1D"/>
+                </a:solidFill>
+                <a:effectLst/>
+                <a:latin typeface="Arial" panose="020B0604020202020204" pitchFamily="34" charset="0"/>
+              </a:rPr>
+              <a:t>Crypto Class –Using Top 20 Cryptos to predict Bitcoin – </a:t>
+            </a:r>
+            <a:r>
+              <a:rPr lang="en-US" b="0" i="0" dirty="0">
+                <a:solidFill>
+                  <a:srgbClr val="FF0000"/>
+                </a:solidFill>
+                <a:effectLst/>
+                <a:latin typeface="Arial" panose="020B0604020202020204" pitchFamily="34" charset="0"/>
+              </a:rPr>
+              <a:t>Poor Correlation</a:t>
+            </a:r>
+            <a:endParaRPr lang="en-US" dirty="0">
+              <a:solidFill>
+                <a:srgbClr val="FF0000"/>
+              </a:solidFill>
+              <a:latin typeface="Slack-Lato"/>
+            </a:endParaRPr>
+          </a:p>
+          <a:p>
+            <a:pPr algn="ctr"/>
+            <a:r>
+              <a:rPr lang="en-US" b="0" i="0" dirty="0">
+                <a:solidFill>
+                  <a:srgbClr val="1D1C1D"/>
+                </a:solidFill>
+                <a:effectLst/>
+                <a:latin typeface="Arial" panose="020B0604020202020204" pitchFamily="34" charset="0"/>
+              </a:rPr>
+              <a:t>Crypto Class – Using </a:t>
+            </a:r>
+            <a:r>
+              <a:rPr lang="en-US" dirty="0">
+                <a:solidFill>
+                  <a:srgbClr val="1D1C1D"/>
+                </a:solidFill>
+                <a:latin typeface="Arial" panose="020B0604020202020204" pitchFamily="34" charset="0"/>
+              </a:rPr>
+              <a:t>T</a:t>
+            </a:r>
+            <a:r>
+              <a:rPr lang="en-US" b="0" i="0" dirty="0">
+                <a:solidFill>
+                  <a:srgbClr val="1D1C1D"/>
+                </a:solidFill>
+                <a:effectLst/>
+                <a:latin typeface="Arial" panose="020B0604020202020204" pitchFamily="34" charset="0"/>
+              </a:rPr>
+              <a:t>op 20 Cryptos to predict Bitcoin – </a:t>
+            </a:r>
+            <a:br>
+              <a:rPr lang="en-US" b="0" i="0" dirty="0">
+                <a:solidFill>
+                  <a:srgbClr val="1D1C1D"/>
+                </a:solidFill>
+                <a:effectLst/>
+                <a:latin typeface="Slack-Lato"/>
+              </a:rPr>
+            </a:br>
+            <a:r>
+              <a:rPr lang="en-US" b="0" i="0" dirty="0">
+                <a:solidFill>
+                  <a:srgbClr val="00B050"/>
+                </a:solidFill>
+                <a:effectLst/>
+                <a:latin typeface="Arial" panose="020B0604020202020204" pitchFamily="34" charset="0"/>
+              </a:rPr>
+              <a:t>4 years Good Correlation</a:t>
+            </a:r>
+          </a:p>
+          <a:p>
+            <a:pPr algn="ctr"/>
+            <a:r>
+              <a:rPr lang="en-US" dirty="0">
+                <a:solidFill>
+                  <a:srgbClr val="00B050"/>
+                </a:solidFill>
+                <a:latin typeface="Arial" panose="020B0604020202020204" pitchFamily="34" charset="0"/>
+              </a:rPr>
+              <a:t>1 year Data </a:t>
+            </a:r>
+            <a:r>
+              <a:rPr lang="en-US" dirty="0">
+                <a:solidFill>
+                  <a:srgbClr val="FF0000"/>
+                </a:solidFill>
+                <a:latin typeface="Arial" panose="020B0604020202020204" pitchFamily="34" charset="0"/>
+              </a:rPr>
+              <a:t>Poor Correlation</a:t>
+            </a:r>
+          </a:p>
+          <a:p>
+            <a:pPr algn="ctr"/>
+            <a:br>
+              <a:rPr lang="en-US" b="0" i="0" dirty="0">
+                <a:solidFill>
+                  <a:srgbClr val="1D1C1D"/>
+                </a:solidFill>
+                <a:effectLst/>
+                <a:latin typeface="Slack-Lato"/>
+              </a:rPr>
+            </a:br>
+            <a:r>
+              <a:rPr lang="en-US" b="0" i="0" dirty="0">
+                <a:solidFill>
+                  <a:srgbClr val="1D1C1D"/>
+                </a:solidFill>
+                <a:effectLst/>
+                <a:latin typeface="Arial" panose="020B0604020202020204" pitchFamily="34" charset="0"/>
+              </a:rPr>
+              <a:t>Trading Analysis and Tools – 2 effective tools were created to help trade </a:t>
+            </a:r>
+            <a:endParaRPr lang="en-US" b="0" i="0" dirty="0">
+              <a:solidFill>
+                <a:srgbClr val="1D1C1D"/>
+              </a:solidFill>
+              <a:effectLst/>
+              <a:latin typeface="Slack-Lato"/>
+            </a:endParaRPr>
+          </a:p>
+          <a:p>
+            <a:br>
+              <a:rPr lang="en-US" dirty="0"/>
+            </a:br>
+            <a:endParaRPr lang="en-AU" dirty="0"/>
+          </a:p>
+        </p:txBody>
+      </p:sp>
     </p:spTree>
     <p:extLst>
       <p:ext uri="{BB962C8B-B14F-4D97-AF65-F5344CB8AC3E}">
